--- a/Seismic Drones/CASE-2016/pictures/wooden_platform_compare.pptx
+++ b/Seismic Drones/CASE-2016/pictures/wooden_platform_compare.pptx
@@ -104,6 +104,11 @@
       </a:defRPr>
     </a:lvl9pPr>
   </p:defaultTextStyle>
+  <p:extLst>
+    <p:ext uri="{EFAFB233-063F-42B5-8137-9DF3F51BA10A}">
+      <p15:sldGuideLst xmlns:p15="http://schemas.microsoft.com/office/powerpoint/2012/main"/>
+    </p:ext>
+  </p:extLst>
 </p:presentation>
 </file>
 
@@ -238,7 +243,7 @@
           <a:p>
             <a:fld id="{00A819AE-62D5-48C7-ABBA-9B42368FB34D}" type="datetimeFigureOut">
               <a:rPr lang="en-US" smtClean="0"/>
-              <a:t>3/4/2016</a:t>
+              <a:t>3/8/2016</a:t>
             </a:fld>
             <a:endParaRPr lang="en-US"/>
           </a:p>
@@ -408,7 +413,7 @@
           <a:p>
             <a:fld id="{00A819AE-62D5-48C7-ABBA-9B42368FB34D}" type="datetimeFigureOut">
               <a:rPr lang="en-US" smtClean="0"/>
-              <a:t>3/4/2016</a:t>
+              <a:t>3/8/2016</a:t>
             </a:fld>
             <a:endParaRPr lang="en-US"/>
           </a:p>
@@ -588,7 +593,7 @@
           <a:p>
             <a:fld id="{00A819AE-62D5-48C7-ABBA-9B42368FB34D}" type="datetimeFigureOut">
               <a:rPr lang="en-US" smtClean="0"/>
-              <a:t>3/4/2016</a:t>
+              <a:t>3/8/2016</a:t>
             </a:fld>
             <a:endParaRPr lang="en-US"/>
           </a:p>
@@ -758,7 +763,7 @@
           <a:p>
             <a:fld id="{00A819AE-62D5-48C7-ABBA-9B42368FB34D}" type="datetimeFigureOut">
               <a:rPr lang="en-US" smtClean="0"/>
-              <a:t>3/4/2016</a:t>
+              <a:t>3/8/2016</a:t>
             </a:fld>
             <a:endParaRPr lang="en-US"/>
           </a:p>
@@ -1002,7 +1007,7 @@
           <a:p>
             <a:fld id="{00A819AE-62D5-48C7-ABBA-9B42368FB34D}" type="datetimeFigureOut">
               <a:rPr lang="en-US" smtClean="0"/>
-              <a:t>3/4/2016</a:t>
+              <a:t>3/8/2016</a:t>
             </a:fld>
             <a:endParaRPr lang="en-US"/>
           </a:p>
@@ -1234,7 +1239,7 @@
           <a:p>
             <a:fld id="{00A819AE-62D5-48C7-ABBA-9B42368FB34D}" type="datetimeFigureOut">
               <a:rPr lang="en-US" smtClean="0"/>
-              <a:t>3/4/2016</a:t>
+              <a:t>3/8/2016</a:t>
             </a:fld>
             <a:endParaRPr lang="en-US"/>
           </a:p>
@@ -1601,7 +1606,7 @@
           <a:p>
             <a:fld id="{00A819AE-62D5-48C7-ABBA-9B42368FB34D}" type="datetimeFigureOut">
               <a:rPr lang="en-US" smtClean="0"/>
-              <a:t>3/4/2016</a:t>
+              <a:t>3/8/2016</a:t>
             </a:fld>
             <a:endParaRPr lang="en-US"/>
           </a:p>
@@ -1719,7 +1724,7 @@
           <a:p>
             <a:fld id="{00A819AE-62D5-48C7-ABBA-9B42368FB34D}" type="datetimeFigureOut">
               <a:rPr lang="en-US" smtClean="0"/>
-              <a:t>3/4/2016</a:t>
+              <a:t>3/8/2016</a:t>
             </a:fld>
             <a:endParaRPr lang="en-US"/>
           </a:p>
@@ -1814,7 +1819,7 @@
           <a:p>
             <a:fld id="{00A819AE-62D5-48C7-ABBA-9B42368FB34D}" type="datetimeFigureOut">
               <a:rPr lang="en-US" smtClean="0"/>
-              <a:t>3/4/2016</a:t>
+              <a:t>3/8/2016</a:t>
             </a:fld>
             <a:endParaRPr lang="en-US"/>
           </a:p>
@@ -2091,7 +2096,7 @@
           <a:p>
             <a:fld id="{00A819AE-62D5-48C7-ABBA-9B42368FB34D}" type="datetimeFigureOut">
               <a:rPr lang="en-US" smtClean="0"/>
-              <a:t>3/4/2016</a:t>
+              <a:t>3/8/2016</a:t>
             </a:fld>
             <a:endParaRPr lang="en-US"/>
           </a:p>
@@ -2348,7 +2353,7 @@
           <a:p>
             <a:fld id="{00A819AE-62D5-48C7-ABBA-9B42368FB34D}" type="datetimeFigureOut">
               <a:rPr lang="en-US" smtClean="0"/>
-              <a:t>3/4/2016</a:t>
+              <a:t>3/8/2016</a:t>
             </a:fld>
             <a:endParaRPr lang="en-US"/>
           </a:p>
@@ -2561,7 +2566,7 @@
           <a:p>
             <a:fld id="{00A819AE-62D5-48C7-ABBA-9B42368FB34D}" type="datetimeFigureOut">
               <a:rPr lang="en-US" smtClean="0"/>
-              <a:t>3/4/2016</a:t>
+              <a:t>3/8/2016</a:t>
             </a:fld>
             <a:endParaRPr lang="en-US"/>
           </a:p>
@@ -2966,30 +2971,75 @@
           <a:chExt cx="0" cy="0"/>
         </a:xfrm>
       </p:grpSpPr>
+      <p:sp>
+        <p:nvSpPr>
+          <p:cNvPr id="3" name="TextBox 2"/>
+          <p:cNvSpPr txBox="1"/>
+          <p:nvPr/>
+        </p:nvSpPr>
+        <p:spPr>
+          <a:xfrm>
+            <a:off x="412376" y="224110"/>
+            <a:ext cx="502024" cy="523220"/>
+          </a:xfrm>
+          <a:prstGeom prst="rect">
+            <a:avLst/>
+          </a:prstGeom>
+          <a:noFill/>
+        </p:spPr>
+        <p:txBody>
+          <a:bodyPr wrap="square" rtlCol="0">
+            <a:spAutoFit/>
+          </a:bodyPr>
+          <a:lstStyle/>
+          <a:p>
+            <a:r>
+              <a:rPr lang="en-US" sz="2800" dirty="0">
+                <a:solidFill>
+                  <a:schemeClr val="bg1"/>
+                </a:solidFill>
+              </a:rPr>
+              <a:t>d</a:t>
+            </a:r>
+            <a:r>
+              <a:rPr lang="en-US" sz="2800" dirty="0" smtClean="0">
+                <a:solidFill>
+                  <a:schemeClr val="bg1"/>
+                </a:solidFill>
+              </a:rPr>
+              <a:t>.</a:t>
+            </a:r>
+            <a:endParaRPr lang="en-US" sz="2800" dirty="0">
+              <a:solidFill>
+                <a:schemeClr val="bg1"/>
+              </a:solidFill>
+            </a:endParaRPr>
+          </a:p>
+        </p:txBody>
+      </p:sp>
       <p:pic>
         <p:nvPicPr>
-          <p:cNvPr id="7" name="Picture 6"/>
+          <p:cNvPr id="2" name="Picture 1"/>
           <p:cNvPicPr>
             <a:picLocks noChangeAspect="1"/>
           </p:cNvPicPr>
           <p:nvPr/>
         </p:nvPicPr>
-        <p:blipFill>
-          <a:blip r:embed="rId2">
+        <p:blipFill rotWithShape="1">
+          <a:blip r:embed="rId2" cstate="print">
             <a:extLst>
               <a:ext uri="{28A0092B-C50C-407E-A947-70E740481C1C}">
                 <a14:useLocalDpi xmlns:a14="http://schemas.microsoft.com/office/drawing/2010/main" val="0"/>
               </a:ext>
             </a:extLst>
           </a:blip>
-          <a:stretch>
-            <a:fillRect/>
-          </a:stretch>
+          <a:srcRect l="6373" t="8888" r="2745" b="131"/>
+          <a:stretch/>
         </p:blipFill>
         <p:spPr>
           <a:xfrm>
-            <a:off x="403411" y="304798"/>
-            <a:ext cx="8316017" cy="6248402"/>
+            <a:off x="403412" y="313760"/>
+            <a:ext cx="8310282" cy="6239437"/>
           </a:xfrm>
           <a:prstGeom prst="rect">
             <a:avLst/>

--- a/Seismic Drones/CASE-2016/pictures/wooden_platform_compare.pptx
+++ b/Seismic Drones/CASE-2016/pictures/wooden_platform_compare.pptx
@@ -243,7 +243,7 @@
           <a:p>
             <a:fld id="{00A819AE-62D5-48C7-ABBA-9B42368FB34D}" type="datetimeFigureOut">
               <a:rPr lang="en-US" smtClean="0"/>
-              <a:t>3/8/2016</a:t>
+              <a:t>3/15/2016</a:t>
             </a:fld>
             <a:endParaRPr lang="en-US"/>
           </a:p>
@@ -413,7 +413,7 @@
           <a:p>
             <a:fld id="{00A819AE-62D5-48C7-ABBA-9B42368FB34D}" type="datetimeFigureOut">
               <a:rPr lang="en-US" smtClean="0"/>
-              <a:t>3/8/2016</a:t>
+              <a:t>3/15/2016</a:t>
             </a:fld>
             <a:endParaRPr lang="en-US"/>
           </a:p>
@@ -593,7 +593,7 @@
           <a:p>
             <a:fld id="{00A819AE-62D5-48C7-ABBA-9B42368FB34D}" type="datetimeFigureOut">
               <a:rPr lang="en-US" smtClean="0"/>
-              <a:t>3/8/2016</a:t>
+              <a:t>3/15/2016</a:t>
             </a:fld>
             <a:endParaRPr lang="en-US"/>
           </a:p>
@@ -763,7 +763,7 @@
           <a:p>
             <a:fld id="{00A819AE-62D5-48C7-ABBA-9B42368FB34D}" type="datetimeFigureOut">
               <a:rPr lang="en-US" smtClean="0"/>
-              <a:t>3/8/2016</a:t>
+              <a:t>3/15/2016</a:t>
             </a:fld>
             <a:endParaRPr lang="en-US"/>
           </a:p>
@@ -1007,7 +1007,7 @@
           <a:p>
             <a:fld id="{00A819AE-62D5-48C7-ABBA-9B42368FB34D}" type="datetimeFigureOut">
               <a:rPr lang="en-US" smtClean="0"/>
-              <a:t>3/8/2016</a:t>
+              <a:t>3/15/2016</a:t>
             </a:fld>
             <a:endParaRPr lang="en-US"/>
           </a:p>
@@ -1239,7 +1239,7 @@
           <a:p>
             <a:fld id="{00A819AE-62D5-48C7-ABBA-9B42368FB34D}" type="datetimeFigureOut">
               <a:rPr lang="en-US" smtClean="0"/>
-              <a:t>3/8/2016</a:t>
+              <a:t>3/15/2016</a:t>
             </a:fld>
             <a:endParaRPr lang="en-US"/>
           </a:p>
@@ -1606,7 +1606,7 @@
           <a:p>
             <a:fld id="{00A819AE-62D5-48C7-ABBA-9B42368FB34D}" type="datetimeFigureOut">
               <a:rPr lang="en-US" smtClean="0"/>
-              <a:t>3/8/2016</a:t>
+              <a:t>3/15/2016</a:t>
             </a:fld>
             <a:endParaRPr lang="en-US"/>
           </a:p>
@@ -1724,7 +1724,7 @@
           <a:p>
             <a:fld id="{00A819AE-62D5-48C7-ABBA-9B42368FB34D}" type="datetimeFigureOut">
               <a:rPr lang="en-US" smtClean="0"/>
-              <a:t>3/8/2016</a:t>
+              <a:t>3/15/2016</a:t>
             </a:fld>
             <a:endParaRPr lang="en-US"/>
           </a:p>
@@ -1819,7 +1819,7 @@
           <a:p>
             <a:fld id="{00A819AE-62D5-48C7-ABBA-9B42368FB34D}" type="datetimeFigureOut">
               <a:rPr lang="en-US" smtClean="0"/>
-              <a:t>3/8/2016</a:t>
+              <a:t>3/15/2016</a:t>
             </a:fld>
             <a:endParaRPr lang="en-US"/>
           </a:p>
@@ -2096,7 +2096,7 @@
           <a:p>
             <a:fld id="{00A819AE-62D5-48C7-ABBA-9B42368FB34D}" type="datetimeFigureOut">
               <a:rPr lang="en-US" smtClean="0"/>
-              <a:t>3/8/2016</a:t>
+              <a:t>3/15/2016</a:t>
             </a:fld>
             <a:endParaRPr lang="en-US"/>
           </a:p>
@@ -2353,7 +2353,7 @@
           <a:p>
             <a:fld id="{00A819AE-62D5-48C7-ABBA-9B42368FB34D}" type="datetimeFigureOut">
               <a:rPr lang="en-US" smtClean="0"/>
-              <a:t>3/8/2016</a:t>
+              <a:t>3/15/2016</a:t>
             </a:fld>
             <a:endParaRPr lang="en-US"/>
           </a:p>
@@ -2566,7 +2566,7 @@
           <a:p>
             <a:fld id="{00A819AE-62D5-48C7-ABBA-9B42368FB34D}" type="datetimeFigureOut">
               <a:rPr lang="en-US" smtClean="0"/>
-              <a:t>3/8/2016</a:t>
+              <a:t>3/15/2016</a:t>
             </a:fld>
             <a:endParaRPr lang="en-US"/>
           </a:p>
@@ -3019,7 +3019,7 @@
       </p:sp>
       <p:pic>
         <p:nvPicPr>
-          <p:cNvPr id="2" name="Picture 1"/>
+          <p:cNvPr id="5" name="Picture 4"/>
           <p:cNvPicPr>
             <a:picLocks noChangeAspect="1"/>
           </p:cNvPicPr>
@@ -3033,19 +3033,65 @@
               </a:ext>
             </a:extLst>
           </a:blip>
-          <a:srcRect l="6373" t="8888" r="2745" b="131"/>
+          <a:srcRect l="4216" t="4313" r="4706" b="4576"/>
           <a:stretch/>
         </p:blipFill>
         <p:spPr>
           <a:xfrm>
-            <a:off x="403412" y="313760"/>
-            <a:ext cx="8310282" cy="6239437"/>
+            <a:off x="385482" y="286869"/>
+            <a:ext cx="8328212" cy="6248401"/>
           </a:xfrm>
           <a:prstGeom prst="rect">
             <a:avLst/>
           </a:prstGeom>
         </p:spPr>
       </p:pic>
+      <p:sp>
+        <p:nvSpPr>
+          <p:cNvPr id="7" name="TextBox 6"/>
+          <p:cNvSpPr txBox="1"/>
+          <p:nvPr/>
+        </p:nvSpPr>
+        <p:spPr>
+          <a:xfrm>
+            <a:off x="421340" y="334990"/>
+            <a:ext cx="600635" cy="707886"/>
+          </a:xfrm>
+          <a:prstGeom prst="rect">
+            <a:avLst/>
+          </a:prstGeom>
+          <a:noFill/>
+        </p:spPr>
+        <p:txBody>
+          <a:bodyPr wrap="square" rtlCol="0">
+            <a:spAutoFit/>
+          </a:bodyPr>
+          <a:lstStyle/>
+          <a:p>
+            <a:r>
+              <a:rPr lang="en-US" sz="4000" dirty="0">
+                <a:solidFill>
+                  <a:schemeClr val="bg1"/>
+                </a:solidFill>
+              </a:rPr>
+              <a:t>b</a:t>
+            </a:r>
+            <a:r>
+              <a:rPr lang="en-US" sz="4000" dirty="0" smtClean="0">
+                <a:solidFill>
+                  <a:schemeClr val="bg1"/>
+                </a:solidFill>
+              </a:rPr>
+              <a:t>.</a:t>
+            </a:r>
+            <a:endParaRPr lang="en-US" sz="4000" dirty="0">
+              <a:solidFill>
+                <a:schemeClr val="bg1"/>
+              </a:solidFill>
+            </a:endParaRPr>
+          </a:p>
+        </p:txBody>
+      </p:sp>
     </p:spTree>
     <p:extLst>
       <p:ext uri="{BB962C8B-B14F-4D97-AF65-F5344CB8AC3E}">
@@ -3056,6 +3102,13 @@
   <p:clrMapOvr>
     <a:masterClrMapping/>
   </p:clrMapOvr>
+  <p:timing>
+    <p:tnLst>
+      <p:par>
+        <p:cTn id="1" dur="indefinite" restart="never" nodeType="tmRoot"/>
+      </p:par>
+    </p:tnLst>
+  </p:timing>
 </p:sld>
 </file>
 

--- a/Seismic Drones/CASE-2016/pictures/wooden_platform_compare.pptx
+++ b/Seismic Drones/CASE-2016/pictures/wooden_platform_compare.pptx
@@ -243,7 +243,7 @@
           <a:p>
             <a:fld id="{00A819AE-62D5-48C7-ABBA-9B42368FB34D}" type="datetimeFigureOut">
               <a:rPr lang="en-US" smtClean="0"/>
-              <a:t>3/15/2016</a:t>
+              <a:t>3/21/2016</a:t>
             </a:fld>
             <a:endParaRPr lang="en-US"/>
           </a:p>
@@ -413,7 +413,7 @@
           <a:p>
             <a:fld id="{00A819AE-62D5-48C7-ABBA-9B42368FB34D}" type="datetimeFigureOut">
               <a:rPr lang="en-US" smtClean="0"/>
-              <a:t>3/15/2016</a:t>
+              <a:t>3/21/2016</a:t>
             </a:fld>
             <a:endParaRPr lang="en-US"/>
           </a:p>
@@ -593,7 +593,7 @@
           <a:p>
             <a:fld id="{00A819AE-62D5-48C7-ABBA-9B42368FB34D}" type="datetimeFigureOut">
               <a:rPr lang="en-US" smtClean="0"/>
-              <a:t>3/15/2016</a:t>
+              <a:t>3/21/2016</a:t>
             </a:fld>
             <a:endParaRPr lang="en-US"/>
           </a:p>
@@ -763,7 +763,7 @@
           <a:p>
             <a:fld id="{00A819AE-62D5-48C7-ABBA-9B42368FB34D}" type="datetimeFigureOut">
               <a:rPr lang="en-US" smtClean="0"/>
-              <a:t>3/15/2016</a:t>
+              <a:t>3/21/2016</a:t>
             </a:fld>
             <a:endParaRPr lang="en-US"/>
           </a:p>
@@ -1007,7 +1007,7 @@
           <a:p>
             <a:fld id="{00A819AE-62D5-48C7-ABBA-9B42368FB34D}" type="datetimeFigureOut">
               <a:rPr lang="en-US" smtClean="0"/>
-              <a:t>3/15/2016</a:t>
+              <a:t>3/21/2016</a:t>
             </a:fld>
             <a:endParaRPr lang="en-US"/>
           </a:p>
@@ -1239,7 +1239,7 @@
           <a:p>
             <a:fld id="{00A819AE-62D5-48C7-ABBA-9B42368FB34D}" type="datetimeFigureOut">
               <a:rPr lang="en-US" smtClean="0"/>
-              <a:t>3/15/2016</a:t>
+              <a:t>3/21/2016</a:t>
             </a:fld>
             <a:endParaRPr lang="en-US"/>
           </a:p>
@@ -1606,7 +1606,7 @@
           <a:p>
             <a:fld id="{00A819AE-62D5-48C7-ABBA-9B42368FB34D}" type="datetimeFigureOut">
               <a:rPr lang="en-US" smtClean="0"/>
-              <a:t>3/15/2016</a:t>
+              <a:t>3/21/2016</a:t>
             </a:fld>
             <a:endParaRPr lang="en-US"/>
           </a:p>
@@ -1724,7 +1724,7 @@
           <a:p>
             <a:fld id="{00A819AE-62D5-48C7-ABBA-9B42368FB34D}" type="datetimeFigureOut">
               <a:rPr lang="en-US" smtClean="0"/>
-              <a:t>3/15/2016</a:t>
+              <a:t>3/21/2016</a:t>
             </a:fld>
             <a:endParaRPr lang="en-US"/>
           </a:p>
@@ -1819,7 +1819,7 @@
           <a:p>
             <a:fld id="{00A819AE-62D5-48C7-ABBA-9B42368FB34D}" type="datetimeFigureOut">
               <a:rPr lang="en-US" smtClean="0"/>
-              <a:t>3/15/2016</a:t>
+              <a:t>3/21/2016</a:t>
             </a:fld>
             <a:endParaRPr lang="en-US"/>
           </a:p>
@@ -2096,7 +2096,7 @@
           <a:p>
             <a:fld id="{00A819AE-62D5-48C7-ABBA-9B42368FB34D}" type="datetimeFigureOut">
               <a:rPr lang="en-US" smtClean="0"/>
-              <a:t>3/15/2016</a:t>
+              <a:t>3/21/2016</a:t>
             </a:fld>
             <a:endParaRPr lang="en-US"/>
           </a:p>
@@ -2353,7 +2353,7 @@
           <a:p>
             <a:fld id="{00A819AE-62D5-48C7-ABBA-9B42368FB34D}" type="datetimeFigureOut">
               <a:rPr lang="en-US" smtClean="0"/>
-              <a:t>3/15/2016</a:t>
+              <a:t>3/21/2016</a:t>
             </a:fld>
             <a:endParaRPr lang="en-US"/>
           </a:p>
@@ -2566,7 +2566,7 @@
           <a:p>
             <a:fld id="{00A819AE-62D5-48C7-ABBA-9B42368FB34D}" type="datetimeFigureOut">
               <a:rPr lang="en-US" smtClean="0"/>
-              <a:t>3/15/2016</a:t>
+              <a:t>3/21/2016</a:t>
             </a:fld>
             <a:endParaRPr lang="en-US"/>
           </a:p>
@@ -3046,52 +3046,112 @@
           </a:prstGeom>
         </p:spPr>
       </p:pic>
-      <p:sp>
-        <p:nvSpPr>
-          <p:cNvPr id="7" name="TextBox 6"/>
-          <p:cNvSpPr txBox="1"/>
+      <p:grpSp>
+        <p:nvGrpSpPr>
+          <p:cNvPr id="2" name="Group 1"/>
+          <p:cNvGrpSpPr/>
           <p:nvPr/>
-        </p:nvSpPr>
-        <p:spPr>
+        </p:nvGrpSpPr>
+        <p:grpSpPr>
           <a:xfrm>
-            <a:off x="421340" y="334990"/>
-            <a:ext cx="600635" cy="707886"/>
+            <a:off x="439272" y="334990"/>
+            <a:ext cx="797859" cy="830997"/>
+            <a:chOff x="-394447" y="334990"/>
+            <a:chExt cx="797859" cy="830997"/>
           </a:xfrm>
-          <a:prstGeom prst="rect">
-            <a:avLst/>
-          </a:prstGeom>
-          <a:noFill/>
-        </p:spPr>
-        <p:txBody>
-          <a:bodyPr wrap="square" rtlCol="0">
-            <a:spAutoFit/>
-          </a:bodyPr>
-          <a:lstStyle/>
-          <a:p>
-            <a:r>
-              <a:rPr lang="en-US" sz="4000" dirty="0">
+        </p:grpSpPr>
+        <p:sp>
+          <p:nvSpPr>
+            <p:cNvPr id="6" name="Rectangle 5"/>
+            <p:cNvSpPr/>
+            <p:nvPr/>
+          </p:nvSpPr>
+          <p:spPr>
+            <a:xfrm>
+              <a:off x="-394447" y="334990"/>
+              <a:ext cx="609600" cy="707886"/>
+            </a:xfrm>
+            <a:prstGeom prst="rect">
+              <a:avLst/>
+            </a:prstGeom>
+            <a:solidFill>
+              <a:schemeClr val="accent1">
+                <a:alpha val="60000"/>
+              </a:schemeClr>
+            </a:solidFill>
+          </p:spPr>
+          <p:style>
+            <a:lnRef idx="2">
+              <a:schemeClr val="accent1">
+                <a:shade val="50000"/>
+              </a:schemeClr>
+            </a:lnRef>
+            <a:fillRef idx="1">
+              <a:schemeClr val="accent1"/>
+            </a:fillRef>
+            <a:effectRef idx="0">
+              <a:schemeClr val="accent1"/>
+            </a:effectRef>
+            <a:fontRef idx="minor">
+              <a:schemeClr val="lt1"/>
+            </a:fontRef>
+          </p:style>
+          <p:txBody>
+            <a:bodyPr rtlCol="0" anchor="ctr"/>
+            <a:lstStyle/>
+            <a:p>
+              <a:pPr algn="ctr"/>
+              <a:endParaRPr lang="en-US"/>
+            </a:p>
+          </p:txBody>
+        </p:sp>
+        <p:sp>
+          <p:nvSpPr>
+            <p:cNvPr id="8" name="TextBox 7"/>
+            <p:cNvSpPr txBox="1"/>
+            <p:nvPr/>
+          </p:nvSpPr>
+          <p:spPr>
+            <a:xfrm>
+              <a:off x="-385482" y="334990"/>
+              <a:ext cx="788894" cy="830997"/>
+            </a:xfrm>
+            <a:prstGeom prst="rect">
+              <a:avLst/>
+            </a:prstGeom>
+            <a:noFill/>
+          </p:spPr>
+          <p:txBody>
+            <a:bodyPr wrap="square" rtlCol="0">
+              <a:spAutoFit/>
+            </a:bodyPr>
+            <a:lstStyle/>
+            <a:p>
+              <a:r>
+                <a:rPr lang="en-US" sz="4800" dirty="0">
+                  <a:solidFill>
+                    <a:schemeClr val="bg1"/>
+                  </a:solidFill>
+                </a:rPr>
+                <a:t>b</a:t>
+              </a:r>
+              <a:r>
+                <a:rPr lang="en-US" sz="4800" dirty="0" smtClean="0">
+                  <a:solidFill>
+                    <a:schemeClr val="bg1"/>
+                  </a:solidFill>
+                </a:rPr>
+                <a:t>.</a:t>
+              </a:r>
+              <a:endParaRPr lang="en-US" sz="4800" dirty="0">
                 <a:solidFill>
                   <a:schemeClr val="bg1"/>
                 </a:solidFill>
-              </a:rPr>
-              <a:t>b</a:t>
-            </a:r>
-            <a:r>
-              <a:rPr lang="en-US" sz="4000" dirty="0" smtClean="0">
-                <a:solidFill>
-                  <a:schemeClr val="bg1"/>
-                </a:solidFill>
-              </a:rPr>
-              <a:t>.</a:t>
-            </a:r>
-            <a:endParaRPr lang="en-US" sz="4000" dirty="0">
-              <a:solidFill>
-                <a:schemeClr val="bg1"/>
-              </a:solidFill>
-            </a:endParaRPr>
-          </a:p>
-        </p:txBody>
-      </p:sp>
+              </a:endParaRPr>
+            </a:p>
+          </p:txBody>
+        </p:sp>
+      </p:grpSp>
     </p:spTree>
     <p:extLst>
       <p:ext uri="{BB962C8B-B14F-4D97-AF65-F5344CB8AC3E}">
